--- a/intermdiate-dax-power-pivot.pptx
+++ b/intermdiate-dax-power-pivot.pptx
@@ -12,10 +12,10 @@
     <p:sldId id="258" r:id="rId3"/>
     <p:sldId id="403" r:id="rId4"/>
     <p:sldId id="348" r:id="rId5"/>
-    <p:sldId id="415" r:id="rId6"/>
-    <p:sldId id="365" r:id="rId7"/>
-    <p:sldId id="413" r:id="rId8"/>
-    <p:sldId id="305" r:id="rId9"/>
+    <p:sldId id="416" r:id="rId6"/>
+    <p:sldId id="415" r:id="rId7"/>
+    <p:sldId id="365" r:id="rId8"/>
+    <p:sldId id="413" r:id="rId9"/>
     <p:sldId id="414" r:id="rId10"/>
     <p:sldId id="390" r:id="rId11"/>
     <p:sldId id="400" r:id="rId12"/>
@@ -252,7 +252,7 @@
           <a:p>
             <a:fld id="{17A98A70-FA8C-4354-959C-C70678AC9BCF}" type="datetimeFigureOut">
               <a:rPr lang="en-US" smtClean="0"/>
-              <a:t>7/20/2023</a:t>
+              <a:t>10/7/2023</a:t>
             </a:fld>
             <a:endParaRPr lang="en-US"/>
           </a:p>
@@ -1172,7 +1172,10 @@
           <a:bodyPr/>
           <a:lstStyle/>
           <a:p>
-            <a:endParaRPr lang="en-US" dirty="0"/>
+            <a:r>
+              <a:rPr lang="en-US" dirty="0"/>
+              <a:t>https://swiy.co/amx </a:t>
+            </a:r>
           </a:p>
         </p:txBody>
       </p:sp>
@@ -1202,7 +1205,7 @@
     </p:spTree>
     <p:extLst>
       <p:ext uri="{BB962C8B-B14F-4D97-AF65-F5344CB8AC3E}">
-        <p14:creationId xmlns:p14="http://schemas.microsoft.com/office/powerpoint/2010/main" val="3827324378"/>
+        <p14:creationId xmlns:p14="http://schemas.microsoft.com/office/powerpoint/2010/main" val="35773323"/>
       </p:ext>
     </p:extLst>
   </p:cSld>
@@ -1286,7 +1289,7 @@
     </p:spTree>
     <p:extLst>
       <p:ext uri="{BB962C8B-B14F-4D97-AF65-F5344CB8AC3E}">
-        <p14:creationId xmlns:p14="http://schemas.microsoft.com/office/powerpoint/2010/main" val="3625376761"/>
+        <p14:creationId xmlns:p14="http://schemas.microsoft.com/office/powerpoint/2010/main" val="3827324378"/>
       </p:ext>
     </p:extLst>
   </p:cSld>
@@ -1340,35 +1343,7 @@
           <a:bodyPr/>
           <a:lstStyle/>
           <a:p>
-            <a:pPr marL="0" marR="0" lvl="0" indent="0" algn="l" defTabSz="914400" rtl="0" eaLnBrk="1" fontAlgn="auto" latinLnBrk="0" hangingPunct="1">
-              <a:lnSpc>
-                <a:spcPct val="100000"/>
-              </a:lnSpc>
-              <a:spcBef>
-                <a:spcPts val="0"/>
-              </a:spcBef>
-              <a:spcAft>
-                <a:spcPts val="0"/>
-              </a:spcAft>
-              <a:buClrTx/>
-              <a:buSzTx/>
-              <a:buFontTx/>
-              <a:buNone/>
-              <a:tabLst/>
-              <a:defRPr/>
-            </a:pPr>
-            <a:r>
-              <a:rPr lang="en-US" sz="1200" kern="1200" dirty="0">
-                <a:solidFill>
-                  <a:schemeClr val="tx1"/>
-                </a:solidFill>
-                <a:effectLst/>
-                <a:latin typeface="+mn-lt"/>
-                <a:ea typeface="+mn-ea"/>
-                <a:cs typeface="+mn-cs"/>
-              </a:rPr>
-              <a:t>If you are looking to individually take a Power Query class I have a surprise here at the end… </a:t>
-            </a:r>
+            <a:endParaRPr lang="en-US" dirty="0"/>
           </a:p>
         </p:txBody>
       </p:sp>
@@ -1398,7 +1373,7 @@
     </p:spTree>
     <p:extLst>
       <p:ext uri="{BB962C8B-B14F-4D97-AF65-F5344CB8AC3E}">
-        <p14:creationId xmlns:p14="http://schemas.microsoft.com/office/powerpoint/2010/main" val="3644834246"/>
+        <p14:creationId xmlns:p14="http://schemas.microsoft.com/office/powerpoint/2010/main" val="3625376761"/>
       </p:ext>
     </p:extLst>
   </p:cSld>
@@ -1787,7 +1762,7 @@
             <a:fld id="{1D8BD707-D9CF-40AE-B4C6-C98DA3205C09}" type="datetimeFigureOut">
               <a:rPr lang="en-US" smtClean="0"/>
               <a:pPr/>
-              <a:t>7/20/2023</a:t>
+              <a:t>10/7/2023</a:t>
             </a:fld>
             <a:endParaRPr lang="en-US"/>
           </a:p>
@@ -1952,7 +1927,7 @@
             <a:fld id="{1D8BD707-D9CF-40AE-B4C6-C98DA3205C09}" type="datetimeFigureOut">
               <a:rPr lang="en-US" smtClean="0"/>
               <a:pPr/>
-              <a:t>7/20/2023</a:t>
+              <a:t>10/7/2023</a:t>
             </a:fld>
             <a:endParaRPr lang="en-US"/>
           </a:p>
@@ -2127,7 +2102,7 @@
             <a:fld id="{1D8BD707-D9CF-40AE-B4C6-C98DA3205C09}" type="datetimeFigureOut">
               <a:rPr lang="en-US" smtClean="0"/>
               <a:pPr/>
-              <a:t>7/20/2023</a:t>
+              <a:t>10/7/2023</a:t>
             </a:fld>
             <a:endParaRPr lang="en-US"/>
           </a:p>
@@ -2292,7 +2267,7 @@
             <a:fld id="{1D8BD707-D9CF-40AE-B4C6-C98DA3205C09}" type="datetimeFigureOut">
               <a:rPr lang="en-US" smtClean="0"/>
               <a:pPr/>
-              <a:t>7/20/2023</a:t>
+              <a:t>10/7/2023</a:t>
             </a:fld>
             <a:endParaRPr lang="en-US"/>
           </a:p>
@@ -2534,7 +2509,7 @@
             <a:fld id="{1D8BD707-D9CF-40AE-B4C6-C98DA3205C09}" type="datetimeFigureOut">
               <a:rPr lang="en-US" smtClean="0"/>
               <a:pPr/>
-              <a:t>7/20/2023</a:t>
+              <a:t>10/7/2023</a:t>
             </a:fld>
             <a:endParaRPr lang="en-US"/>
           </a:p>
@@ -2816,7 +2791,7 @@
             <a:fld id="{1D8BD707-D9CF-40AE-B4C6-C98DA3205C09}" type="datetimeFigureOut">
               <a:rPr lang="en-US" smtClean="0"/>
               <a:pPr/>
-              <a:t>7/20/2023</a:t>
+              <a:t>10/7/2023</a:t>
             </a:fld>
             <a:endParaRPr lang="en-US"/>
           </a:p>
@@ -3232,7 +3207,7 @@
             <a:fld id="{1D8BD707-D9CF-40AE-B4C6-C98DA3205C09}" type="datetimeFigureOut">
               <a:rPr lang="en-US" smtClean="0"/>
               <a:pPr/>
-              <a:t>7/20/2023</a:t>
+              <a:t>10/7/2023</a:t>
             </a:fld>
             <a:endParaRPr lang="en-US"/>
           </a:p>
@@ -3346,7 +3321,7 @@
             <a:fld id="{1D8BD707-D9CF-40AE-B4C6-C98DA3205C09}" type="datetimeFigureOut">
               <a:rPr lang="en-US" smtClean="0"/>
               <a:pPr/>
-              <a:t>7/20/2023</a:t>
+              <a:t>10/7/2023</a:t>
             </a:fld>
             <a:endParaRPr lang="en-US"/>
           </a:p>
@@ -3438,7 +3413,7 @@
             <a:fld id="{1D8BD707-D9CF-40AE-B4C6-C98DA3205C09}" type="datetimeFigureOut">
               <a:rPr lang="en-US" smtClean="0"/>
               <a:pPr/>
-              <a:t>7/20/2023</a:t>
+              <a:t>10/7/2023</a:t>
             </a:fld>
             <a:endParaRPr lang="en-US"/>
           </a:p>
@@ -3710,7 +3685,7 @@
             <a:fld id="{1D8BD707-D9CF-40AE-B4C6-C98DA3205C09}" type="datetimeFigureOut">
               <a:rPr lang="en-US" smtClean="0"/>
               <a:pPr/>
-              <a:t>7/20/2023</a:t>
+              <a:t>10/7/2023</a:t>
             </a:fld>
             <a:endParaRPr lang="en-US"/>
           </a:p>
@@ -3959,7 +3934,7 @@
             <a:fld id="{1D8BD707-D9CF-40AE-B4C6-C98DA3205C09}" type="datetimeFigureOut">
               <a:rPr lang="en-US" smtClean="0"/>
               <a:pPr/>
-              <a:t>7/20/2023</a:t>
+              <a:t>10/7/2023</a:t>
             </a:fld>
             <a:endParaRPr lang="en-US"/>
           </a:p>
@@ -4172,7 +4147,7 @@
             <a:fld id="{1D8BD707-D9CF-40AE-B4C6-C98DA3205C09}" type="datetimeFigureOut">
               <a:rPr lang="en-US" smtClean="0"/>
               <a:pPr/>
-              <a:t>7/20/2023</a:t>
+              <a:t>10/7/2023</a:t>
             </a:fld>
             <a:endParaRPr lang="en-US"/>
           </a:p>
@@ -4545,10 +4520,10 @@
       </p:grpSpPr>
       <p:pic>
         <p:nvPicPr>
-          <p:cNvPr id="4" name="Picture 3" descr="A person in a red suit&#10;&#10;Description automatically generated">
+          <p:cNvPr id="3" name="Picture 2" descr="A person writing on a paper&#10;&#10;Description automatically generated">
             <a:extLst>
               <a:ext uri="{FF2B5EF4-FFF2-40B4-BE49-F238E27FC236}">
-                <a16:creationId xmlns:a16="http://schemas.microsoft.com/office/drawing/2014/main" id="{292E4C1A-92D3-08D5-B9D2-AA5F59616915}"/>
+                <a16:creationId xmlns:a16="http://schemas.microsoft.com/office/drawing/2014/main" id="{4C861200-A03A-D53D-7747-21E63E77EDA6}"/>
               </a:ext>
             </a:extLst>
           </p:cNvPr>
@@ -4571,8 +4546,8 @@
         </p:blipFill>
         <p:spPr>
           <a:xfrm>
-            <a:off x="0" y="209550"/>
-            <a:ext cx="18305668" cy="9867900"/>
+            <a:off x="0" y="437463"/>
+            <a:ext cx="18211800" cy="9817299"/>
           </a:xfrm>
           <a:prstGeom prst="rect">
             <a:avLst/>
@@ -5881,7 +5856,7 @@
                 </a:solidFill>
                 <a:latin typeface="Gidole"/>
               </a:rPr>
-              <a:t>AI-Powered Excel</a:t>
+              <a:t>Intermediate DAX</a:t>
             </a:r>
           </a:p>
         </p:txBody>
@@ -6339,7 +6314,7 @@
                 </a:solidFill>
                 <a:latin typeface="Gidole"/>
               </a:rPr>
-              <a:t>DAX for Power Pivot 101</a:t>
+              <a:t>Intermediate DAX</a:t>
             </a:r>
           </a:p>
         </p:txBody>
@@ -6353,7 +6328,7 @@
         <p:spPr>
           <a:xfrm>
             <a:off x="2819400" y="2400300"/>
-            <a:ext cx="9243139" cy="1431739"/>
+            <a:ext cx="9243139" cy="1919051"/>
           </a:xfrm>
           <a:prstGeom prst="rect">
             <a:avLst/>
@@ -6379,7 +6354,7 @@
                 </a:solidFill>
                 <a:latin typeface="Gidole"/>
               </a:rPr>
-              <a:t>Calculated columns versus measures</a:t>
+              <a:t>Modifying filter context with CALCULATE()</a:t>
             </a:r>
           </a:p>
           <a:p>
@@ -6397,7 +6372,7 @@
                 </a:solidFill>
                 <a:latin typeface="Gidole"/>
               </a:rPr>
-              <a:t>Basic DAX aggregations</a:t>
+              <a:t>Ignoring filter context with ALL()</a:t>
             </a:r>
           </a:p>
           <a:p>
@@ -6415,7 +6390,7 @@
                 </a:solidFill>
                 <a:latin typeface="Gidole"/>
               </a:rPr>
-              <a:t>Implicit versus explicit measures</a:t>
+              <a:t>Creating time intelligence measures (year-to-date, this year versus last year, etc.)</a:t>
             </a:r>
           </a:p>
         </p:txBody>
@@ -6690,7 +6665,7 @@
                 </a:solidFill>
                 <a:latin typeface="Gidole"/>
               </a:rPr>
-              <a:t>DAX for Power Pivot 101</a:t>
+              <a:t>Intermediate DAX</a:t>
             </a:r>
           </a:p>
         </p:txBody>
@@ -6735,7 +6710,7 @@
                 <a:latin typeface="Gidole"/>
                 <a:hlinkClick r:id="rId4"/>
               </a:rPr>
-              <a:t>https://swiy.co/pp-dax-101-dl</a:t>
+              <a:t>https://swiy.co/I8Tk</a:t>
             </a:r>
             <a:r>
               <a:rPr lang="en-US" sz="8000" spc="30" dirty="0">
@@ -6963,6 +6938,341 @@
         <p:spPr>
           <a:xfrm>
             <a:off x="1028700" y="1028700"/>
+            <a:ext cx="7567947" cy="2308324"/>
+          </a:xfrm>
+          <a:prstGeom prst="rect">
+            <a:avLst/>
+          </a:prstGeom>
+        </p:spPr>
+        <p:txBody>
+          <a:bodyPr lIns="0" tIns="0" rIns="0" bIns="0" rtlCol="0" anchor="t">
+            <a:spAutoFit/>
+          </a:bodyPr>
+          <a:lstStyle/>
+          <a:p>
+            <a:pPr>
+              <a:lnSpc>
+                <a:spcPts val="9000"/>
+              </a:lnSpc>
+            </a:pPr>
+            <a:r>
+              <a:rPr lang="en-US" sz="7500" spc="375" dirty="0">
+                <a:solidFill>
+                  <a:srgbClr val="000000"/>
+                </a:solidFill>
+                <a:latin typeface="League Spartan Bold"/>
+              </a:rPr>
+              <a:t>FOLLOWING ALONG</a:t>
+            </a:r>
+          </a:p>
+        </p:txBody>
+      </p:sp>
+      <p:sp>
+        <p:nvSpPr>
+          <p:cNvPr id="9" name="TextBox 9"/>
+          <p:cNvSpPr txBox="1"/>
+          <p:nvPr/>
+        </p:nvSpPr>
+        <p:spPr>
+          <a:xfrm rot="-5400000">
+            <a:off x="-1476249" y="6848349"/>
+            <a:ext cx="4419601" cy="400302"/>
+          </a:xfrm>
+          <a:prstGeom prst="rect">
+            <a:avLst/>
+          </a:prstGeom>
+        </p:spPr>
+        <p:txBody>
+          <a:bodyPr wrap="square" lIns="0" tIns="0" rIns="0" bIns="0" rtlCol="0" anchor="t">
+            <a:spAutoFit/>
+          </a:bodyPr>
+          <a:lstStyle/>
+          <a:p>
+            <a:pPr>
+              <a:lnSpc>
+                <a:spcPts val="3359"/>
+              </a:lnSpc>
+            </a:pPr>
+            <a:r>
+              <a:rPr lang="en-US" sz="2400" spc="192" dirty="0">
+                <a:solidFill>
+                  <a:srgbClr val="000000"/>
+                </a:solidFill>
+                <a:latin typeface="Gidole"/>
+              </a:rPr>
+              <a:t>Intermediate DAX</a:t>
+            </a:r>
+          </a:p>
+        </p:txBody>
+      </p:sp>
+      <p:sp>
+        <p:nvSpPr>
+          <p:cNvPr id="10" name="TextBox 10"/>
+          <p:cNvSpPr txBox="1"/>
+          <p:nvPr/>
+        </p:nvSpPr>
+        <p:spPr>
+          <a:xfrm>
+            <a:off x="2112470" y="3337024"/>
+            <a:ext cx="12594129" cy="3477875"/>
+          </a:xfrm>
+          <a:prstGeom prst="rect">
+            <a:avLst/>
+          </a:prstGeom>
+        </p:spPr>
+        <p:txBody>
+          <a:bodyPr wrap="square" lIns="0" tIns="0" rIns="0" bIns="0" rtlCol="0" anchor="t">
+            <a:spAutoFit/>
+          </a:bodyPr>
+          <a:lstStyle/>
+          <a:p>
+            <a:r>
+              <a:rPr lang="en-US" sz="6600" spc="30" dirty="0">
+                <a:solidFill>
+                  <a:srgbClr val="000000"/>
+                </a:solidFill>
+                <a:latin typeface="Gidole"/>
+              </a:rPr>
+              <a:t>Read and review the book: </a:t>
+            </a:r>
+          </a:p>
+          <a:p>
+            <a:r>
+              <a:rPr lang="en-US" sz="8000" spc="30">
+                <a:solidFill>
+                  <a:srgbClr val="000000"/>
+                </a:solidFill>
+                <a:latin typeface="Gidole"/>
+                <a:hlinkClick r:id="rId4"/>
+              </a:rPr>
+              <a:t>https://stringfestanalytics.com/maxl/</a:t>
+            </a:r>
+            <a:r>
+              <a:rPr lang="en-US" sz="8000" spc="30">
+                <a:solidFill>
+                  <a:srgbClr val="000000"/>
+                </a:solidFill>
+                <a:latin typeface="Gidole"/>
+              </a:rPr>
+              <a:t>  </a:t>
+            </a:r>
+            <a:endParaRPr lang="en-US" sz="6000" spc="30" dirty="0">
+              <a:solidFill>
+                <a:srgbClr val="000000"/>
+              </a:solidFill>
+              <a:latin typeface="Gidole"/>
+            </a:endParaRPr>
+          </a:p>
+        </p:txBody>
+      </p:sp>
+    </p:spTree>
+    <p:extLst>
+      <p:ext uri="{BB962C8B-B14F-4D97-AF65-F5344CB8AC3E}">
+        <p14:creationId xmlns:p14="http://schemas.microsoft.com/office/powerpoint/2010/main" val="2520894935"/>
+      </p:ext>
+    </p:extLst>
+  </p:cSld>
+  <p:clrMapOvr>
+    <a:masterClrMapping/>
+  </p:clrMapOvr>
+</p:sld>
+</file>
+
+<file path=ppt/slides/slide6.xml><?xml version="1.0" encoding="utf-8"?>
+<p:sld xmlns:a="http://schemas.openxmlformats.org/drawingml/2006/main" xmlns:r="http://schemas.openxmlformats.org/officeDocument/2006/relationships" xmlns:p="http://schemas.openxmlformats.org/presentationml/2006/main">
+  <p:cSld>
+    <p:spTree>
+      <p:nvGrpSpPr>
+        <p:cNvPr id="1" name=""/>
+        <p:cNvGrpSpPr/>
+        <p:nvPr/>
+      </p:nvGrpSpPr>
+      <p:grpSpPr>
+        <a:xfrm>
+          <a:off x="0" y="0"/>
+          <a:ext cx="0" cy="0"/>
+          <a:chOff x="0" y="0"/>
+          <a:chExt cx="0" cy="0"/>
+        </a:xfrm>
+      </p:grpSpPr>
+      <p:grpSp>
+        <p:nvGrpSpPr>
+          <p:cNvPr id="2" name="Group 2"/>
+          <p:cNvGrpSpPr/>
+          <p:nvPr/>
+        </p:nvGrpSpPr>
+        <p:grpSpPr>
+          <a:xfrm rot="-5400000">
+            <a:off x="10728361" y="2727361"/>
+            <a:ext cx="7565692" cy="7553587"/>
+            <a:chOff x="0" y="0"/>
+            <a:chExt cx="6350000" cy="6339840"/>
+          </a:xfrm>
+        </p:grpSpPr>
+        <p:sp>
+          <p:nvSpPr>
+            <p:cNvPr id="3" name="Freeform 3"/>
+            <p:cNvSpPr/>
+            <p:nvPr/>
+          </p:nvSpPr>
+          <p:spPr>
+            <a:xfrm>
+              <a:off x="0" y="0"/>
+              <a:ext cx="6350000" cy="6339840"/>
+            </a:xfrm>
+            <a:custGeom>
+              <a:avLst/>
+              <a:gdLst/>
+              <a:ahLst/>
+              <a:cxnLst/>
+              <a:rect l="l" t="t" r="r" b="b"/>
+              <a:pathLst>
+                <a:path w="6350000" h="6339840">
+                  <a:moveTo>
+                    <a:pt x="6350000" y="6339840"/>
+                  </a:moveTo>
+                  <a:lnTo>
+                    <a:pt x="0" y="6339840"/>
+                  </a:lnTo>
+                  <a:lnTo>
+                    <a:pt x="0" y="0"/>
+                  </a:lnTo>
+                  <a:close/>
+                </a:path>
+              </a:pathLst>
+            </a:custGeom>
+            <a:solidFill>
+              <a:srgbClr val="CF3338"/>
+            </a:solidFill>
+          </p:spPr>
+          <p:txBody>
+            <a:bodyPr/>
+            <a:lstStyle/>
+            <a:p>
+              <a:endParaRPr lang="en-US"/>
+            </a:p>
+          </p:txBody>
+        </p:sp>
+      </p:grpSp>
+      <p:grpSp>
+        <p:nvGrpSpPr>
+          <p:cNvPr id="4" name="Group 4"/>
+          <p:cNvGrpSpPr/>
+          <p:nvPr/>
+        </p:nvGrpSpPr>
+        <p:grpSpPr>
+          <a:xfrm rot="-10800000">
+            <a:off x="15566406" y="5573199"/>
+            <a:ext cx="5443189" cy="4713801"/>
+            <a:chOff x="0" y="0"/>
+            <a:chExt cx="6350000" cy="5499100"/>
+          </a:xfrm>
+        </p:grpSpPr>
+        <p:sp>
+          <p:nvSpPr>
+            <p:cNvPr id="5" name="Freeform 5"/>
+            <p:cNvSpPr/>
+            <p:nvPr/>
+          </p:nvSpPr>
+          <p:spPr>
+            <a:xfrm>
+              <a:off x="0" y="0"/>
+              <a:ext cx="6350000" cy="5499100"/>
+            </a:xfrm>
+            <a:custGeom>
+              <a:avLst/>
+              <a:gdLst/>
+              <a:ahLst/>
+              <a:cxnLst/>
+              <a:rect l="l" t="t" r="r" b="b"/>
+              <a:pathLst>
+                <a:path w="6350000" h="5499100">
+                  <a:moveTo>
+                    <a:pt x="0" y="5499100"/>
+                  </a:moveTo>
+                  <a:lnTo>
+                    <a:pt x="3175000" y="0"/>
+                  </a:lnTo>
+                  <a:lnTo>
+                    <a:pt x="6350000" y="5499100"/>
+                  </a:lnTo>
+                  <a:close/>
+                </a:path>
+              </a:pathLst>
+            </a:custGeom>
+            <a:solidFill>
+              <a:srgbClr val="3D3935"/>
+            </a:solidFill>
+          </p:spPr>
+          <p:txBody>
+            <a:bodyPr/>
+            <a:lstStyle/>
+            <a:p>
+              <a:endParaRPr lang="en-US"/>
+            </a:p>
+          </p:txBody>
+        </p:sp>
+      </p:grpSp>
+      <p:sp>
+        <p:nvSpPr>
+          <p:cNvPr id="6" name="AutoShape 6"/>
+          <p:cNvSpPr/>
+          <p:nvPr/>
+        </p:nvSpPr>
+        <p:spPr>
+          <a:xfrm>
+            <a:off x="9144000" y="2143604"/>
+            <a:ext cx="9466400" cy="56192"/>
+          </a:xfrm>
+          <a:prstGeom prst="rect">
+            <a:avLst/>
+          </a:prstGeom>
+          <a:solidFill>
+            <a:srgbClr val="000000"/>
+          </a:solidFill>
+        </p:spPr>
+        <p:txBody>
+          <a:bodyPr/>
+          <a:lstStyle/>
+          <a:p>
+            <a:endParaRPr lang="en-US"/>
+          </a:p>
+        </p:txBody>
+      </p:sp>
+      <p:pic>
+        <p:nvPicPr>
+          <p:cNvPr id="7" name="Picture 7"/>
+          <p:cNvPicPr>
+            <a:picLocks noChangeAspect="1"/>
+          </p:cNvPicPr>
+          <p:nvPr/>
+        </p:nvPicPr>
+        <p:blipFill>
+          <a:blip r:embed="rId3"/>
+          <a:srcRect/>
+          <a:stretch>
+            <a:fillRect/>
+          </a:stretch>
+        </p:blipFill>
+        <p:spPr>
+          <a:xfrm>
+            <a:off x="16100583" y="9258300"/>
+            <a:ext cx="2005783" cy="1470490"/>
+          </a:xfrm>
+          <a:prstGeom prst="rect">
+            <a:avLst/>
+          </a:prstGeom>
+        </p:spPr>
+      </p:pic>
+      <p:sp>
+        <p:nvSpPr>
+          <p:cNvPr id="8" name="TextBox 8"/>
+          <p:cNvSpPr txBox="1"/>
+          <p:nvPr/>
+        </p:nvSpPr>
+        <p:spPr>
+          <a:xfrm>
+            <a:off x="1028700" y="1028700"/>
             <a:ext cx="7567947" cy="1019510"/>
           </a:xfrm>
           <a:prstGeom prst="rect">
@@ -7039,7 +7349,7 @@
         <p:spPr>
           <a:xfrm>
             <a:off x="2819400" y="2400300"/>
-            <a:ext cx="9243139" cy="4355616"/>
+            <a:ext cx="9243139" cy="3868303"/>
           </a:xfrm>
           <a:prstGeom prst="rect">
             <a:avLst/>
@@ -7107,7 +7417,7 @@
                 </a:solidFill>
                 <a:latin typeface="Gidole"/>
               </a:rPr>
-              <a:t>Participation is welcome via the chat (or please ask to be unmuted!)</a:t>
+              <a:t>Participation is welcome via the chat </a:t>
             </a:r>
           </a:p>
           <a:p>
@@ -7173,7 +7483,7 @@
                 </a:solidFill>
                 <a:latin typeface="Gidole"/>
               </a:rPr>
-              <a:t>Recording goes out later today and is up for one week</a:t>
+              <a:t>Recording goes out later today and is up for two days</a:t>
             </a:r>
           </a:p>
         </p:txBody>
@@ -7191,7 +7501,7 @@
 </p:sld>
 </file>
 
-<file path=ppt/slides/slide6.xml><?xml version="1.0" encoding="utf-8"?>
+<file path=ppt/slides/slide7.xml><?xml version="1.0" encoding="utf-8"?>
 <p:sld xmlns:a="http://schemas.openxmlformats.org/drawingml/2006/main" xmlns:r="http://schemas.openxmlformats.org/officeDocument/2006/relationships" xmlns:p="http://schemas.openxmlformats.org/presentationml/2006/main">
   <p:cSld>
     <p:spTree>
@@ -7318,7 +7628,7 @@
 </p:sld>
 </file>
 
-<file path=ppt/slides/slide7.xml><?xml version="1.0" encoding="utf-8"?>
+<file path=ppt/slides/slide8.xml><?xml version="1.0" encoding="utf-8"?>
 <p:sld xmlns:a="http://schemas.openxmlformats.org/drawingml/2006/main" xmlns:r="http://schemas.openxmlformats.org/officeDocument/2006/relationships" xmlns:p="http://schemas.openxmlformats.org/presentationml/2006/main">
   <p:cSld>
     <p:spTree>
@@ -7661,336 +7971,6 @@
     <p:extLst>
       <p:ext uri="{BB962C8B-B14F-4D97-AF65-F5344CB8AC3E}">
         <p14:creationId xmlns:p14="http://schemas.microsoft.com/office/powerpoint/2010/main" val="4078030192"/>
-      </p:ext>
-    </p:extLst>
-  </p:cSld>
-  <p:clrMapOvr>
-    <a:masterClrMapping/>
-  </p:clrMapOvr>
-</p:sld>
-</file>
-
-<file path=ppt/slides/slide8.xml><?xml version="1.0" encoding="utf-8"?>
-<p:sld xmlns:a="http://schemas.openxmlformats.org/drawingml/2006/main" xmlns:r="http://schemas.openxmlformats.org/officeDocument/2006/relationships" xmlns:p="http://schemas.openxmlformats.org/presentationml/2006/main">
-  <p:cSld>
-    <p:spTree>
-      <p:nvGrpSpPr>
-        <p:cNvPr id="1" name=""/>
-        <p:cNvGrpSpPr/>
-        <p:nvPr/>
-      </p:nvGrpSpPr>
-      <p:grpSpPr>
-        <a:xfrm>
-          <a:off x="0" y="0"/>
-          <a:ext cx="0" cy="0"/>
-          <a:chOff x="0" y="0"/>
-          <a:chExt cx="0" cy="0"/>
-        </a:xfrm>
-      </p:grpSpPr>
-      <p:sp>
-        <p:nvSpPr>
-          <p:cNvPr id="2" name="AutoShape 2"/>
-          <p:cNvSpPr/>
-          <p:nvPr/>
-        </p:nvSpPr>
-        <p:spPr>
-          <a:xfrm>
-            <a:off x="0" y="-56390"/>
-            <a:ext cx="10283741" cy="10399781"/>
-          </a:xfrm>
-          <a:prstGeom prst="rect">
-            <a:avLst/>
-          </a:prstGeom>
-          <a:solidFill>
-            <a:srgbClr val="CF3338"/>
-          </a:solidFill>
-        </p:spPr>
-        <p:txBody>
-          <a:bodyPr/>
-          <a:lstStyle/>
-          <a:p>
-            <a:endParaRPr lang="en-US"/>
-          </a:p>
-        </p:txBody>
-      </p:sp>
-      <p:grpSp>
-        <p:nvGrpSpPr>
-          <p:cNvPr id="3" name="Group 3"/>
-          <p:cNvGrpSpPr/>
-          <p:nvPr/>
-        </p:nvGrpSpPr>
-        <p:grpSpPr>
-          <a:xfrm rot="5400000">
-            <a:off x="9957" y="-9957"/>
-            <a:ext cx="10263828" cy="10283741"/>
-            <a:chOff x="0" y="0"/>
-            <a:chExt cx="6350000" cy="6339840"/>
-          </a:xfrm>
-        </p:grpSpPr>
-        <p:sp>
-          <p:nvSpPr>
-            <p:cNvPr id="4" name="Freeform 4"/>
-            <p:cNvSpPr/>
-            <p:nvPr/>
-          </p:nvSpPr>
-          <p:spPr>
-            <a:xfrm>
-              <a:off x="0" y="0"/>
-              <a:ext cx="6350000" cy="6339840"/>
-            </a:xfrm>
-            <a:custGeom>
-              <a:avLst/>
-              <a:gdLst/>
-              <a:ahLst/>
-              <a:cxnLst/>
-              <a:rect l="l" t="t" r="r" b="b"/>
-              <a:pathLst>
-                <a:path w="6350000" h="6339840">
-                  <a:moveTo>
-                    <a:pt x="6350000" y="6339840"/>
-                  </a:moveTo>
-                  <a:lnTo>
-                    <a:pt x="0" y="6339840"/>
-                  </a:lnTo>
-                  <a:lnTo>
-                    <a:pt x="0" y="0"/>
-                  </a:lnTo>
-                  <a:close/>
-                </a:path>
-              </a:pathLst>
-            </a:custGeom>
-            <a:solidFill>
-              <a:srgbClr val="3D3935">
-                <a:alpha val="19607"/>
-              </a:srgbClr>
-            </a:solidFill>
-          </p:spPr>
-          <p:txBody>
-            <a:bodyPr/>
-            <a:lstStyle/>
-            <a:p>
-              <a:endParaRPr lang="en-US"/>
-            </a:p>
-          </p:txBody>
-        </p:sp>
-      </p:grpSp>
-      <p:sp>
-        <p:nvSpPr>
-          <p:cNvPr id="5" name="TextBox 5"/>
-          <p:cNvSpPr txBox="1"/>
-          <p:nvPr/>
-        </p:nvSpPr>
-        <p:spPr>
-          <a:xfrm>
-            <a:off x="1329711" y="2960593"/>
-            <a:ext cx="7624318" cy="1113703"/>
-          </a:xfrm>
-          <a:prstGeom prst="rect">
-            <a:avLst/>
-          </a:prstGeom>
-        </p:spPr>
-        <p:txBody>
-          <a:bodyPr lIns="0" tIns="0" rIns="0" bIns="0" rtlCol="0" anchor="t">
-            <a:spAutoFit/>
-          </a:bodyPr>
-          <a:lstStyle/>
-          <a:p>
-            <a:pPr marL="457200" indent="-457200">
-              <a:lnSpc>
-                <a:spcPts val="4522"/>
-              </a:lnSpc>
-              <a:buFont typeface="Arial" panose="020B0604020202020204" pitchFamily="34" charset="0"/>
-              <a:buChar char="•"/>
-            </a:pPr>
-            <a:r>
-              <a:rPr lang="en-US" sz="3400" spc="340" dirty="0">
-                <a:solidFill>
-                  <a:schemeClr val="bg1"/>
-                </a:solidFill>
-                <a:latin typeface="Gidole"/>
-              </a:rPr>
-              <a:t>Learn more and where to get it: </a:t>
-            </a:r>
-            <a:r>
-              <a:rPr lang="en-US" sz="3400" spc="340" dirty="0">
-                <a:solidFill>
-                  <a:schemeClr val="bg1"/>
-                </a:solidFill>
-                <a:latin typeface="Gidole"/>
-                <a:hlinkClick r:id="rId3">
-                  <a:extLst>
-                    <a:ext uri="{A12FA001-AC4F-418D-AE19-62706E023703}">
-                      <ahyp:hlinkClr xmlns:ahyp="http://schemas.microsoft.com/office/drawing/2018/hyperlinkcolor" val="tx"/>
-                    </a:ext>
-                  </a:extLst>
-                </a:hlinkClick>
-              </a:rPr>
-              <a:t>stringfestanalytics.com/book  </a:t>
-            </a:r>
-            <a:endParaRPr lang="en-US" sz="3400" spc="340" dirty="0">
-              <a:solidFill>
-                <a:schemeClr val="bg1"/>
-              </a:solidFill>
-              <a:latin typeface="Gidole"/>
-            </a:endParaRPr>
-          </a:p>
-        </p:txBody>
-      </p:sp>
-      <p:sp>
-        <p:nvSpPr>
-          <p:cNvPr id="6" name="TextBox 6"/>
-          <p:cNvSpPr txBox="1"/>
-          <p:nvPr/>
-        </p:nvSpPr>
-        <p:spPr>
-          <a:xfrm rot="5400000">
-            <a:off x="15031804" y="6973654"/>
-            <a:ext cx="3734903" cy="834390"/>
-          </a:xfrm>
-          <a:prstGeom prst="rect">
-            <a:avLst/>
-          </a:prstGeom>
-        </p:spPr>
-        <p:txBody>
-          <a:bodyPr lIns="0" tIns="0" rIns="0" bIns="0" rtlCol="0" anchor="t">
-            <a:spAutoFit/>
-          </a:bodyPr>
-          <a:lstStyle/>
-          <a:p>
-            <a:pPr algn="r">
-              <a:lnSpc>
-                <a:spcPts val="3359"/>
-              </a:lnSpc>
-            </a:pPr>
-            <a:r>
-              <a:rPr lang="en-US" sz="2400" spc="192">
-                <a:solidFill>
-                  <a:srgbClr val="F2F0F4"/>
-                </a:solidFill>
-                <a:latin typeface="Gidole"/>
-              </a:rPr>
-              <a:t>Human Centered Design • MDLS 2020</a:t>
-            </a:r>
-          </a:p>
-        </p:txBody>
-      </p:sp>
-      <p:pic>
-        <p:nvPicPr>
-          <p:cNvPr id="7" name="Picture 7"/>
-          <p:cNvPicPr>
-            <a:picLocks noChangeAspect="1"/>
-          </p:cNvPicPr>
-          <p:nvPr/>
-        </p:nvPicPr>
-        <p:blipFill>
-          <a:blip r:embed="rId4"/>
-          <a:srcRect/>
-          <a:stretch>
-            <a:fillRect/>
-          </a:stretch>
-        </p:blipFill>
-        <p:spPr>
-          <a:xfrm>
-            <a:off x="16100583" y="9258300"/>
-            <a:ext cx="2005783" cy="1470490"/>
-          </a:xfrm>
-          <a:prstGeom prst="rect">
-            <a:avLst/>
-          </a:prstGeom>
-        </p:spPr>
-      </p:pic>
-      <p:sp>
-        <p:nvSpPr>
-          <p:cNvPr id="9" name="TextBox 9"/>
-          <p:cNvSpPr txBox="1"/>
-          <p:nvPr/>
-        </p:nvSpPr>
-        <p:spPr>
-          <a:xfrm>
-            <a:off x="657572" y="942975"/>
-            <a:ext cx="8486428" cy="729046"/>
-          </a:xfrm>
-          <a:prstGeom prst="rect">
-            <a:avLst/>
-          </a:prstGeom>
-        </p:spPr>
-        <p:txBody>
-          <a:bodyPr lIns="0" tIns="0" rIns="0" bIns="0" rtlCol="0" anchor="t">
-            <a:spAutoFit/>
-          </a:bodyPr>
-          <a:lstStyle/>
-          <a:p>
-            <a:pPr>
-              <a:lnSpc>
-                <a:spcPts val="5880"/>
-              </a:lnSpc>
-              <a:spcBef>
-                <a:spcPct val="0"/>
-              </a:spcBef>
-            </a:pPr>
-            <a:r>
-              <a:rPr lang="en-US" sz="4200" i="1" dirty="0">
-                <a:solidFill>
-                  <a:srgbClr val="FFFFFF"/>
-                </a:solidFill>
-                <a:latin typeface="League Spartan"/>
-              </a:rPr>
-              <a:t>Advancing into Analytics</a:t>
-            </a:r>
-          </a:p>
-        </p:txBody>
-      </p:sp>
-      <p:pic>
-        <p:nvPicPr>
-          <p:cNvPr id="1026" name="Picture 2" descr="Advancing into Analytics Cover Image">
-            <a:extLst>
-              <a:ext uri="{FF2B5EF4-FFF2-40B4-BE49-F238E27FC236}">
-                <a16:creationId xmlns:a16="http://schemas.microsoft.com/office/drawing/2014/main" id="{00C62AD1-5F52-8AC7-E07B-DF6689697F17}"/>
-              </a:ext>
-            </a:extLst>
-          </p:cNvPr>
-          <p:cNvPicPr>
-            <a:picLocks noChangeAspect="1" noChangeArrowheads="1"/>
-          </p:cNvPicPr>
-          <p:nvPr/>
-        </p:nvPicPr>
-        <p:blipFill>
-          <a:blip r:embed="rId5">
-            <a:extLst>
-              <a:ext uri="{28A0092B-C50C-407E-A947-70E740481C1C}">
-                <a14:useLocalDpi xmlns:a14="http://schemas.microsoft.com/office/drawing/2010/main" val="0"/>
-              </a:ext>
-            </a:extLst>
-          </a:blip>
-          <a:srcRect/>
-          <a:stretch>
-            <a:fillRect/>
-          </a:stretch>
-        </p:blipFill>
-        <p:spPr bwMode="auto">
-          <a:xfrm>
-            <a:off x="11356896" y="1052422"/>
-            <a:ext cx="5640878" cy="7367678"/>
-          </a:xfrm>
-          <a:prstGeom prst="rect">
-            <a:avLst/>
-          </a:prstGeom>
-          <a:noFill/>
-          <a:extLst>
-            <a:ext uri="{909E8E84-426E-40DD-AFC4-6F175D3DCCD1}">
-              <a14:hiddenFill xmlns:a14="http://schemas.microsoft.com/office/drawing/2010/main">
-                <a:solidFill>
-                  <a:srgbClr val="FFFFFF"/>
-                </a:solidFill>
-              </a14:hiddenFill>
-            </a:ext>
-          </a:extLst>
-        </p:spPr>
-      </p:pic>
-    </p:spTree>
-    <p:extLst>
-      <p:ext uri="{BB962C8B-B14F-4D97-AF65-F5344CB8AC3E}">
-        <p14:creationId xmlns:p14="http://schemas.microsoft.com/office/powerpoint/2010/main" val="3987180466"/>
       </p:ext>
     </p:extLst>
   </p:cSld>
